--- a/Nisum Java 8.pptx
+++ b/Nisum Java 8.pptx
@@ -31,21 +31,21 @@
   <p:notesSz cx="6858000" cy="9144000"/>
   <p:embeddedFontLst>
     <p:embeddedFont>
-      <p:font typeface="Calibri" panose="020F0502020204030204" pitchFamily="34" charset="0"/>
+      <p:font typeface="Trebuchet MS" panose="020B0603020202020204" pitchFamily="34" charset="0"/>
       <p:regular r:id="rId21"/>
       <p:bold r:id="rId22"/>
       <p:italic r:id="rId23"/>
       <p:boldItalic r:id="rId24"/>
     </p:embeddedFont>
     <p:embeddedFont>
-      <p:font typeface="Trebuchet MS" panose="020B0603020202020204" pitchFamily="34" charset="0"/>
+      <p:font typeface="Corbel" panose="020B0503020204020204" pitchFamily="34" charset="0"/>
       <p:regular r:id="rId25"/>
       <p:bold r:id="rId26"/>
       <p:italic r:id="rId27"/>
       <p:boldItalic r:id="rId28"/>
     </p:embeddedFont>
     <p:embeddedFont>
-      <p:font typeface="Corbel" panose="020B0503020204020204" pitchFamily="34" charset="0"/>
+      <p:font typeface="Calibri" panose="020F0502020204030204" pitchFamily="34" charset="0"/>
       <p:regular r:id="rId29"/>
       <p:bold r:id="rId30"/>
       <p:italic r:id="rId31"/>
@@ -6332,7 +6332,15 @@
             </a:r>
             <a:r>
               <a:rPr lang="en-US" dirty="0" smtClean="0"/>
-              <a:t>But this is kind of ugly so Ricardo Arcos give me a tip for the best practices, and make this code easier to read using new lines.</a:t>
+              <a:t>But this is kind of </a:t>
+            </a:r>
+            <a:r>
+              <a:rPr lang="en-US" dirty="0" smtClean="0"/>
+              <a:t>ugly so, a </a:t>
+            </a:r>
+            <a:r>
+              <a:rPr lang="en-US" dirty="0" smtClean="0"/>
+              <a:t>tip for the best practices, and make this code easier to read using new lines.</a:t>
             </a:r>
           </a:p>
           <a:p>
@@ -6837,54 +6845,26 @@
           <a:p>
             <a:r>
               <a:rPr lang="en-US" dirty="0" smtClean="0"/>
-              <a:t> </a:t>
-            </a:r>
+              <a:t> Introduction</a:t>
+            </a:r>
+          </a:p>
+          <a:p>
             <a:r>
               <a:rPr lang="en-US" dirty="0" smtClean="0"/>
-              <a:t>Introduction</a:t>
-            </a:r>
-            <a:endParaRPr lang="en-US" dirty="0" smtClean="0"/>
+              <a:t> Overview from Lambdas, Method References and Stream API.</a:t>
+            </a:r>
           </a:p>
           <a:p>
             <a:r>
               <a:rPr lang="en-US" dirty="0" smtClean="0"/>
-              <a:t> </a:t>
-            </a:r>
-            <a:r>
-              <a:rPr lang="en-US" dirty="0" smtClean="0"/>
-              <a:t>Overview from </a:t>
-            </a:r>
-            <a:r>
-              <a:rPr lang="en-US" dirty="0" smtClean="0"/>
-              <a:t>Lambdas, Method References and Stream API.</a:t>
-            </a:r>
-            <a:endParaRPr lang="en-US" dirty="0" smtClean="0"/>
-          </a:p>
-          <a:p>
-            <a:r>
-              <a:rPr lang="en-US" dirty="0" smtClean="0"/>
-              <a:t> </a:t>
-            </a:r>
-            <a:r>
-              <a:rPr lang="en-US" dirty="0" smtClean="0"/>
-              <a:t>Lambda, Method Reference </a:t>
-            </a:r>
-            <a:r>
-              <a:rPr lang="en-US" dirty="0" smtClean="0"/>
-              <a:t>and </a:t>
-            </a:r>
-            <a:r>
-              <a:rPr lang="en-US" dirty="0" smtClean="0"/>
-              <a:t>Stream API.</a:t>
-            </a:r>
-            <a:endParaRPr lang="en-US" dirty="0" smtClean="0"/>
+              <a:t> Lambda, Method Reference and Stream API.</a:t>
+            </a:r>
           </a:p>
           <a:p>
             <a:r>
               <a:rPr lang="en-US" dirty="0" smtClean="0"/>
               <a:t> Q&amp;A</a:t>
             </a:r>
-            <a:endParaRPr lang="en-US" dirty="0" smtClean="0"/>
           </a:p>
         </p:txBody>
       </p:sp>
@@ -7093,37 +7073,8 @@
             <a:pPr algn="just"/>
             <a:r>
               <a:rPr lang="en-US" dirty="0" smtClean="0"/>
-              <a:t> Ok, Java 8 has a lot of new and cool stuff, but we are going to focus in </a:t>
-            </a:r>
-            <a:r>
-              <a:rPr lang="en-US" dirty="0" smtClean="0"/>
-              <a:t>just three of </a:t>
-            </a:r>
-            <a:r>
-              <a:rPr lang="en-US" dirty="0" smtClean="0"/>
-              <a:t>this new features, </a:t>
-            </a:r>
-            <a:r>
-              <a:rPr lang="en-US" dirty="0" smtClean="0"/>
-              <a:t>Lambdas, Method Reference </a:t>
-            </a:r>
-            <a:r>
-              <a:rPr lang="en-US" dirty="0" smtClean="0"/>
-              <a:t>and </a:t>
-            </a:r>
-            <a:r>
-              <a:rPr lang="en-US" dirty="0" smtClean="0"/>
-              <a:t>the Stream API, </a:t>
-            </a:r>
-            <a:r>
-              <a:rPr lang="en-US" dirty="0" smtClean="0"/>
-              <a:t>we are going to </a:t>
-            </a:r>
-            <a:r>
-              <a:rPr lang="en-US" dirty="0" smtClean="0"/>
-              <a:t>review how they can improve the way we write our code and how to incorporate them in our code.</a:t>
-            </a:r>
-            <a:endParaRPr lang="en-US" dirty="0" smtClean="0"/>
+              <a:t> Ok, Java 8 has a lot of new and cool stuff, but we are going to focus in just three of this new features, Lambdas, Method Reference and the Stream API, we are going to review how they can improve the way we write our code and how to incorporate them in our code.</a:t>
+            </a:r>
           </a:p>
           <a:p>
             <a:pPr marL="107951" indent="0">
@@ -7229,15 +7180,7 @@
           <a:p>
             <a:r>
               <a:rPr lang="en-US" dirty="0" smtClean="0"/>
-              <a:t>Overview from </a:t>
-            </a:r>
-            <a:r>
-              <a:rPr lang="en-US" dirty="0" smtClean="0"/>
-              <a:t>Lambda </a:t>
-            </a:r>
-            <a:r>
-              <a:rPr lang="en-US" dirty="0" smtClean="0"/>
-              <a:t>and Streams.</a:t>
+              <a:t>Overview from Lambda and Streams.</a:t>
             </a:r>
             <a:endParaRPr lang="en-US" dirty="0"/>
           </a:p>
@@ -7300,29 +7243,8 @@
             </a:pPr>
             <a:r>
               <a:rPr lang="en-US" dirty="0" smtClean="0"/>
-              <a:t>So, </a:t>
-            </a:r>
-            <a:r>
-              <a:rPr lang="en-US" dirty="0" smtClean="0"/>
-              <a:t>lets see the context </a:t>
-            </a:r>
-            <a:r>
-              <a:rPr lang="en-US" dirty="0" smtClean="0"/>
-              <a:t>of what we are going to do, </a:t>
-            </a:r>
-            <a:r>
-              <a:rPr lang="en-US" dirty="0" smtClean="0"/>
-              <a:t>we </a:t>
-            </a:r>
-            <a:r>
-              <a:rPr lang="en-US" dirty="0" smtClean="0"/>
-              <a:t>have a Person class, that have the next </a:t>
-            </a:r>
-            <a:r>
-              <a:rPr lang="en-US" dirty="0" smtClean="0"/>
-              <a:t>attributes and constructor.</a:t>
-            </a:r>
-            <a:endParaRPr lang="en-US" dirty="0" smtClean="0"/>
+              <a:t>So, lets see the context of what we are going to do, we have a Person class, that have the next attributes and constructor.</a:t>
+            </a:r>
           </a:p>
           <a:p>
             <a:pPr marL="107951" indent="0">
@@ -7366,11 +7288,7 @@
             </a:pPr>
             <a:r>
               <a:rPr lang="en-US" dirty="0" smtClean="0"/>
-              <a:t>Also this has his </a:t>
-            </a:r>
-            <a:r>
-              <a:rPr lang="en-US" dirty="0" smtClean="0"/>
-              <a:t>own setters and getters and his </a:t>
+              <a:t>Also this has his own setters and getters and his </a:t>
             </a:r>
             <a:r>
               <a:rPr lang="en-US" dirty="0" err="1" smtClean="0"/>
@@ -7403,7 +7321,6 @@
               <a:rPr lang="en-US" dirty="0"/>
               <a:t> Lambda, Method Reference and Stream API.</a:t>
             </a:r>
-            <a:endParaRPr lang="en-US" dirty="0"/>
           </a:p>
         </p:txBody>
       </p:sp>
@@ -7529,19 +7446,43 @@
           <a:p>
             <a:r>
               <a:rPr lang="en-US" dirty="0" smtClean="0"/>
-              <a:t> Print every person on the list using his </a:t>
+              <a:t> Print every person on the list using </a:t>
             </a:r>
             <a:r>
               <a:rPr lang="en-US" dirty="0" err="1" smtClean="0"/>
               <a:t>toString</a:t>
             </a:r>
             <a:r>
+              <a:rPr lang="en-US" dirty="0" smtClean="0"/>
+              <a:t> </a:t>
+            </a:r>
+            <a:r>
+              <a:rPr lang="en-US" dirty="0" smtClean="0"/>
+              <a:t>method.</a:t>
+            </a:r>
+          </a:p>
+          <a:p>
+            <a:r>
               <a:rPr lang="en-US" dirty="0"/>
               <a:t> </a:t>
             </a:r>
             <a:r>
               <a:rPr lang="en-US" dirty="0" smtClean="0"/>
-              <a:t>method.</a:t>
+              <a:t>Sort them by </a:t>
+            </a:r>
+            <a:r>
+              <a:rPr lang="en-US" dirty="0" smtClean="0"/>
+              <a:t>Age</a:t>
+            </a:r>
+            <a:r>
+              <a:rPr lang="en-US" dirty="0" smtClean="0"/>
+              <a:t>.</a:t>
+            </a:r>
+          </a:p>
+          <a:p>
+            <a:r>
+              <a:rPr lang="en-US" dirty="0" smtClean="0"/>
+              <a:t> Filter for the people who has more than 21 years.</a:t>
             </a:r>
           </a:p>
           <a:p>
@@ -7551,23 +7492,23 @@
             </a:r>
             <a:r>
               <a:rPr lang="en-US" dirty="0" smtClean="0"/>
-              <a:t>Sort them by they Age.</a:t>
-            </a:r>
-          </a:p>
-          <a:p>
+              <a:t>Get the </a:t>
+            </a:r>
             <a:r>
               <a:rPr lang="en-US" dirty="0" smtClean="0"/>
-              <a:t> Filter for the people who has more than 21 years.</a:t>
-            </a:r>
-          </a:p>
-          <a:p>
-            <a:r>
-              <a:rPr lang="en-US" dirty="0"/>
-              <a:t> </a:t>
+              <a:t>sum of all ages </a:t>
             </a:r>
             <a:r>
               <a:rPr lang="en-US" dirty="0" smtClean="0"/>
-              <a:t>Get the addition of  all of the people in the list.</a:t>
+              <a:t>of the people </a:t>
+            </a:r>
+            <a:r>
+              <a:rPr lang="en-US" dirty="0" smtClean="0"/>
+              <a:t>on </a:t>
+            </a:r>
+            <a:r>
+              <a:rPr lang="en-US" dirty="0" smtClean="0"/>
+              <a:t>the list.</a:t>
             </a:r>
           </a:p>
           <a:p>
@@ -7582,11 +7523,7 @@
             </a:pPr>
             <a:r>
               <a:rPr lang="en-US" dirty="0" smtClean="0"/>
-              <a:t>And, </a:t>
-            </a:r>
-            <a:r>
-              <a:rPr lang="en-US" dirty="0" smtClean="0"/>
-              <a:t>this are just a few examples of what we can do, if we really want to, we can do a lot of more stuff with this new features.</a:t>
+              <a:t>And, this are just a few examples of what we can do, if we really want to, we can do a lot of more stuff with this new features.</a:t>
             </a:r>
             <a:endParaRPr lang="en-US" dirty="0"/>
           </a:p>
@@ -7611,7 +7548,6 @@
               <a:rPr lang="en-US" dirty="0"/>
               <a:t> Lambda, Method Reference and Stream API.</a:t>
             </a:r>
-            <a:endParaRPr lang="en-US" dirty="0"/>
           </a:p>
         </p:txBody>
       </p:sp>

--- a/Nisum Java 8.pptx
+++ b/Nisum Java 8.pptx
@@ -5,7 +5,7 @@
     <p:sldMasterId id="2147483653" r:id="rId1"/>
   </p:sldMasterIdLst>
   <p:notesMasterIdLst>
-    <p:notesMasterId r:id="rId20"/>
+    <p:notesMasterId r:id="rId22"/>
   </p:notesMasterIdLst>
   <p:sldIdLst>
     <p:sldId id="256" r:id="rId2"/>
@@ -26,30 +26,32 @@
     <p:sldId id="272" r:id="rId17"/>
     <p:sldId id="273" r:id="rId18"/>
     <p:sldId id="274" r:id="rId19"/>
+    <p:sldId id="275" r:id="rId20"/>
+    <p:sldId id="276" r:id="rId21"/>
   </p:sldIdLst>
   <p:sldSz cx="9144000" cy="5715000" type="screen16x10"/>
   <p:notesSz cx="6858000" cy="9144000"/>
   <p:embeddedFontLst>
     <p:embeddedFont>
-      <p:font typeface="Trebuchet MS" panose="020B0603020202020204" pitchFamily="34" charset="0"/>
-      <p:regular r:id="rId21"/>
-      <p:bold r:id="rId22"/>
-      <p:italic r:id="rId23"/>
-      <p:boldItalic r:id="rId24"/>
+      <p:font typeface="Calibri" panose="020F0502020204030204" pitchFamily="34" charset="0"/>
+      <p:regular r:id="rId23"/>
+      <p:bold r:id="rId24"/>
+      <p:italic r:id="rId25"/>
+      <p:boldItalic r:id="rId26"/>
     </p:embeddedFont>
     <p:embeddedFont>
       <p:font typeface="Corbel" panose="020B0503020204020204" pitchFamily="34" charset="0"/>
-      <p:regular r:id="rId25"/>
-      <p:bold r:id="rId26"/>
-      <p:italic r:id="rId27"/>
-      <p:boldItalic r:id="rId28"/>
+      <p:regular r:id="rId27"/>
+      <p:bold r:id="rId28"/>
+      <p:italic r:id="rId29"/>
+      <p:boldItalic r:id="rId30"/>
     </p:embeddedFont>
     <p:embeddedFont>
-      <p:font typeface="Calibri" panose="020F0502020204030204" pitchFamily="34" charset="0"/>
-      <p:regular r:id="rId29"/>
-      <p:bold r:id="rId30"/>
-      <p:italic r:id="rId31"/>
-      <p:boldItalic r:id="rId32"/>
+      <p:font typeface="Trebuchet MS" panose="020B0603020202020204" pitchFamily="34" charset="0"/>
+      <p:regular r:id="rId31"/>
+      <p:bold r:id="rId32"/>
+      <p:italic r:id="rId33"/>
+      <p:boldItalic r:id="rId34"/>
     </p:embeddedFont>
   </p:embeddedFontLst>
   <p:defaultTextStyle>
@@ -254,6 +256,22 @@
       </a:defRPr>
     </a:lvl9pPr>
   </p:defaultTextStyle>
+  <p:extLst>
+    <p:ext uri="{EFAFB233-063F-42B5-8137-9DF3F51BA10A}">
+      <p15:sldGuideLst xmlns:p15="http://schemas.microsoft.com/office/powerpoint/2012/main">
+        <p15:guide id="1" orient="horz" pos="1800">
+          <p15:clr>
+            <a:srgbClr val="A4A3A4"/>
+          </p15:clr>
+        </p15:guide>
+        <p15:guide id="2" pos="2880">
+          <p15:clr>
+            <a:srgbClr val="A4A3A4"/>
+          </p15:clr>
+        </p15:guide>
+      </p15:sldGuideLst>
+    </p:ext>
+  </p:extLst>
 </p:presentation>
 </file>
 
@@ -1047,7 +1065,7 @@
                 <a:cs typeface="Calibri"/>
                 <a:sym typeface="Calibri"/>
               </a:rPr>
-              <a:t>‹#›</a:t>
+              <a:t>‹Nº›</a:t>
             </a:fld>
             <a:endParaRPr lang="en-US" sz="1200" b="0" i="0" u="none" strike="noStrike" cap="none" dirty="0">
               <a:solidFill>
@@ -1302,6 +1320,11 @@
         </p:txBody>
       </p:sp>
     </p:spTree>
+    <p:extLst>
+      <p:ext uri="{BB962C8B-B14F-4D97-AF65-F5344CB8AC3E}">
+        <p14:creationId xmlns:p14="http://schemas.microsoft.com/office/powerpoint/2010/main" val="1054968623"/>
+      </p:ext>
+    </p:extLst>
   </p:cSld>
   <p:clrMapOvr>
     <a:masterClrMapping/>
@@ -1447,6 +1470,11 @@
         </p:txBody>
       </p:sp>
     </p:spTree>
+    <p:extLst>
+      <p:ext uri="{BB962C8B-B14F-4D97-AF65-F5344CB8AC3E}">
+        <p14:creationId xmlns:p14="http://schemas.microsoft.com/office/powerpoint/2010/main" val="539187041"/>
+      </p:ext>
+    </p:extLst>
   </p:cSld>
   <p:clrMapOvr>
     <a:masterClrMapping/>
@@ -2615,7 +2643,7 @@
                 <a:cs typeface="Trebuchet MS"/>
                 <a:sym typeface="Trebuchet MS"/>
               </a:rPr>
-              <a:t>‹#›</a:t>
+              <a:t>‹Nº›</a:t>
             </a:fld>
             <a:endParaRPr lang="en-US" sz="800" b="0" i="0" u="none" strike="noStrike" cap="none" dirty="0">
               <a:solidFill>
@@ -3687,7 +3715,7 @@
                 <a:cs typeface="Trebuchet MS"/>
                 <a:sym typeface="Trebuchet MS"/>
               </a:rPr>
-              <a:t>‹#›</a:t>
+              <a:t>‹Nº›</a:t>
             </a:fld>
             <a:endParaRPr lang="en-US" sz="800" b="0" i="0" u="none" strike="noStrike" cap="none" dirty="0">
               <a:solidFill>
@@ -4788,7 +4816,19 @@
             </a:pPr>
             <a:r>
               <a:rPr lang="en-US" dirty="0" smtClean="0"/>
-              <a:t>Getting into streams and lambda functions</a:t>
+              <a:t>Getting into streams, method references</a:t>
+            </a:r>
+          </a:p>
+          <a:p>
+            <a:pPr lvl="0">
+              <a:spcBef>
+                <a:spcPts val="0"/>
+              </a:spcBef>
+              <a:buNone/>
+            </a:pPr>
+            <a:r>
+              <a:rPr lang="en-US" dirty="0" smtClean="0"/>
+              <a:t>and lambda functions</a:t>
             </a:r>
             <a:endParaRPr dirty="0"/>
           </a:p>
@@ -5072,16 +5112,11 @@
             </a:r>
             <a:r>
               <a:rPr lang="en-US" dirty="0" smtClean="0"/>
-              <a:t>The classic way we use to sorting a collection with </a:t>
-            </a:r>
-          </a:p>
-          <a:p>
-            <a:pPr marL="107951" indent="0">
-              <a:buNone/>
-            </a:pPr>
+              <a:t>The classic way we use to sort a collection with </a:t>
+            </a:r>
             <a:r>
               <a:rPr lang="en-US" dirty="0" err="1" smtClean="0"/>
-              <a:t>InsertNameOfYouCollectionHere.sort</a:t>
+              <a:t>Collection.sort</a:t>
             </a:r>
             <a:r>
               <a:rPr lang="en-US" dirty="0" smtClean="0"/>
@@ -5089,10 +5124,9 @@
             </a:r>
           </a:p>
           <a:p>
-            <a:r>
-              <a:rPr lang="en-US" dirty="0"/>
-              <a:t> </a:t>
-            </a:r>
+            <a:pPr marL="107951" indent="0">
+              <a:buNone/>
+            </a:pPr>
             <a:r>
               <a:rPr lang="en-US" dirty="0" smtClean="0"/>
               <a:t>Where we have to add a new Comparator&lt;T&gt; and @Override the compare method, to get some like this</a:t>
@@ -5166,7 +5200,7 @@
         </p:blipFill>
         <p:spPr bwMode="auto">
           <a:xfrm>
-            <a:off x="576263" y="2857500"/>
+            <a:off x="557212" y="2552700"/>
             <a:ext cx="8029575" cy="1905000"/>
           </a:xfrm>
           <a:prstGeom prst="rect">
@@ -6332,15 +6366,7 @@
             </a:r>
             <a:r>
               <a:rPr lang="en-US" dirty="0" smtClean="0"/>
-              <a:t>But this is kind of </a:t>
-            </a:r>
-            <a:r>
-              <a:rPr lang="en-US" dirty="0" smtClean="0"/>
-              <a:t>ugly so, a </a:t>
-            </a:r>
-            <a:r>
-              <a:rPr lang="en-US" dirty="0" smtClean="0"/>
-              <a:t>tip for the best practices, and make this code easier to read using new lines.</a:t>
+              <a:t>But this is kind of ugly so, a tip for the best practices, and make this code easier to read using new lines.</a:t>
             </a:r>
           </a:p>
           <a:p>
@@ -6811,6 +6837,64 @@
 </p:sld>
 </file>
 
+<file path=ppt/slides/slide19.xml><?xml version="1.0" encoding="utf-8"?>
+<p:sld xmlns:a="http://schemas.openxmlformats.org/drawingml/2006/main" xmlns:r="http://schemas.openxmlformats.org/officeDocument/2006/relationships" xmlns:p="http://schemas.openxmlformats.org/presentationml/2006/main">
+  <p:cSld>
+    <p:spTree>
+      <p:nvGrpSpPr>
+        <p:cNvPr id="1" name=""/>
+        <p:cNvGrpSpPr/>
+        <p:nvPr/>
+      </p:nvGrpSpPr>
+      <p:grpSpPr>
+        <a:xfrm>
+          <a:off x="0" y="0"/>
+          <a:ext cx="0" cy="0"/>
+          <a:chOff x="0" y="0"/>
+          <a:chExt cx="0" cy="0"/>
+        </a:xfrm>
+      </p:grpSpPr>
+      <p:sp>
+        <p:nvSpPr>
+          <p:cNvPr id="3" name="Título 2"/>
+          <p:cNvSpPr>
+            <a:spLocks noGrp="1"/>
+          </p:cNvSpPr>
+          <p:nvPr>
+            <p:ph type="title"/>
+          </p:nvPr>
+        </p:nvSpPr>
+        <p:spPr>
+          <a:xfrm>
+            <a:off x="1371600" y="2324100"/>
+            <a:ext cx="6661800" cy="964500"/>
+          </a:xfrm>
+        </p:spPr>
+        <p:txBody>
+          <a:bodyPr/>
+          <a:lstStyle/>
+          <a:p>
+            <a:r>
+              <a:rPr lang="es-419" dirty="0" smtClean="0"/>
+              <a:t>Questions n Answers</a:t>
+            </a:r>
+            <a:endParaRPr lang="es-ES" dirty="0"/>
+          </a:p>
+        </p:txBody>
+      </p:sp>
+    </p:spTree>
+    <p:extLst>
+      <p:ext uri="{BB962C8B-B14F-4D97-AF65-F5344CB8AC3E}">
+        <p14:creationId xmlns:p14="http://schemas.microsoft.com/office/powerpoint/2010/main" val="1653119854"/>
+      </p:ext>
+    </p:extLst>
+  </p:cSld>
+  <p:clrMapOvr>
+    <a:masterClrMapping/>
+  </p:clrMapOvr>
+</p:sld>
+</file>
+
 <file path=ppt/slides/slide2.xml><?xml version="1.0" encoding="utf-8"?>
 <p:sld xmlns:a="http://schemas.openxmlformats.org/drawingml/2006/main" xmlns:r="http://schemas.openxmlformats.org/officeDocument/2006/relationships" xmlns:p="http://schemas.openxmlformats.org/presentationml/2006/main">
   <p:cSld>
@@ -6850,6 +6934,16 @@
           </a:p>
           <a:p>
             <a:r>
+              <a:rPr lang="en-US" dirty="0"/>
+              <a:t> </a:t>
+            </a:r>
+            <a:r>
+              <a:rPr lang="en-US" dirty="0" smtClean="0"/>
+              <a:t>Lets focus.</a:t>
+            </a:r>
+          </a:p>
+          <a:p>
+            <a:r>
               <a:rPr lang="en-US" dirty="0" smtClean="0"/>
               <a:t> Overview from Lambdas, Method References and Stream API.</a:t>
             </a:r>
@@ -6908,6 +7002,64 @@
       </p:par>
     </p:tnLst>
   </p:timing>
+</p:sld>
+</file>
+
+<file path=ppt/slides/slide20.xml><?xml version="1.0" encoding="utf-8"?>
+<p:sld xmlns:a="http://schemas.openxmlformats.org/drawingml/2006/main" xmlns:r="http://schemas.openxmlformats.org/officeDocument/2006/relationships" xmlns:p="http://schemas.openxmlformats.org/presentationml/2006/main">
+  <p:cSld>
+    <p:spTree>
+      <p:nvGrpSpPr>
+        <p:cNvPr id="1" name=""/>
+        <p:cNvGrpSpPr/>
+        <p:nvPr/>
+      </p:nvGrpSpPr>
+      <p:grpSpPr>
+        <a:xfrm>
+          <a:off x="0" y="0"/>
+          <a:ext cx="0" cy="0"/>
+          <a:chOff x="0" y="0"/>
+          <a:chExt cx="0" cy="0"/>
+        </a:xfrm>
+      </p:grpSpPr>
+      <p:sp>
+        <p:nvSpPr>
+          <p:cNvPr id="3" name="Título 2"/>
+          <p:cNvSpPr>
+            <a:spLocks noGrp="1"/>
+          </p:cNvSpPr>
+          <p:nvPr>
+            <p:ph type="title"/>
+          </p:nvPr>
+        </p:nvSpPr>
+        <p:spPr>
+          <a:xfrm>
+            <a:off x="1295400" y="2400300"/>
+            <a:ext cx="6661800" cy="964500"/>
+          </a:xfrm>
+        </p:spPr>
+        <p:txBody>
+          <a:bodyPr/>
+          <a:lstStyle/>
+          <a:p>
+            <a:r>
+              <a:rPr lang="es-419" dirty="0" smtClean="0"/>
+              <a:t>Thanks!</a:t>
+            </a:r>
+            <a:endParaRPr lang="es-ES" dirty="0"/>
+          </a:p>
+        </p:txBody>
+      </p:sp>
+    </p:spTree>
+    <p:extLst>
+      <p:ext uri="{BB962C8B-B14F-4D97-AF65-F5344CB8AC3E}">
+        <p14:creationId xmlns:p14="http://schemas.microsoft.com/office/powerpoint/2010/main" val="1266286297"/>
+      </p:ext>
+    </p:extLst>
+  </p:cSld>
+  <p:clrMapOvr>
+    <a:masterClrMapping/>
+  </p:clrMapOvr>
 </p:sld>
 </file>
 
@@ -7065,7 +7217,12 @@
             <p:ph type="body" idx="1"/>
           </p:nvPr>
         </p:nvSpPr>
-        <p:spPr/>
+        <p:spPr>
+          <a:xfrm>
+            <a:off x="457200" y="1943100"/>
+            <a:ext cx="8229600" cy="3162300"/>
+          </a:xfrm>
+        </p:spPr>
         <p:txBody>
           <a:bodyPr/>
           <a:lstStyle/>
@@ -7159,7 +7316,89 @@
           <a:bodyPr/>
           <a:lstStyle/>
           <a:p>
+            <a:r>
+              <a:rPr lang="en-US" dirty="0" smtClean="0"/>
+              <a:t>Lambda Expressions: they are anonymous functions, that can </a:t>
+            </a:r>
+            <a:r>
+              <a:rPr lang="en-US" dirty="0" err="1" smtClean="0"/>
+              <a:t>recibe</a:t>
+            </a:r>
+            <a:r>
+              <a:rPr lang="en-US" dirty="0" smtClean="0"/>
+              <a:t> any parameters</a:t>
+            </a:r>
             <a:endParaRPr lang="en-US" dirty="0" smtClean="0"/>
+          </a:p>
+          <a:p>
+            <a:pPr marL="107951" indent="0">
+              <a:buNone/>
+            </a:pPr>
+            <a:r>
+              <a:rPr lang="en-US" dirty="0"/>
+              <a:t>	</a:t>
+            </a:r>
+            <a:r>
+              <a:rPr lang="en-US" dirty="0" smtClean="0"/>
+              <a:t>(parameter1, parameter2,…</a:t>
+            </a:r>
+            <a:r>
+              <a:rPr lang="en-US" dirty="0" err="1" smtClean="0"/>
+              <a:t>parametern</a:t>
+            </a:r>
+            <a:r>
+              <a:rPr lang="en-US" dirty="0" smtClean="0"/>
+              <a:t> -&gt; /*what I do*/);</a:t>
+            </a:r>
+          </a:p>
+          <a:p>
+            <a:r>
+              <a:rPr lang="en-US" dirty="0" smtClean="0"/>
+              <a:t> Method reference: is an easy way to call existen</a:t>
+            </a:r>
+            <a:r>
+              <a:rPr lang="en-US" dirty="0" smtClean="0"/>
+              <a:t>t methods by their name in a lambda expression.</a:t>
+            </a:r>
+          </a:p>
+          <a:p>
+            <a:pPr marL="107951" indent="0">
+              <a:buNone/>
+            </a:pPr>
+            <a:r>
+              <a:rPr lang="en-US" dirty="0" smtClean="0"/>
+              <a:t>	</a:t>
+            </a:r>
+            <a:r>
+              <a:rPr lang="en-US" dirty="0" err="1" smtClean="0"/>
+              <a:t>Collection.forEach</a:t>
+            </a:r>
+            <a:r>
+              <a:rPr lang="en-US" dirty="0" smtClean="0"/>
+              <a:t>(</a:t>
+            </a:r>
+            <a:r>
+              <a:rPr lang="en-US" dirty="0" err="1" smtClean="0"/>
+              <a:t>System.out</a:t>
+            </a:r>
+            <a:r>
+              <a:rPr lang="en-US" dirty="0" smtClean="0"/>
+              <a:t>::</a:t>
+            </a:r>
+            <a:r>
+              <a:rPr lang="en-US" dirty="0" err="1" smtClean="0"/>
+              <a:t>pritnln</a:t>
+            </a:r>
+            <a:r>
+              <a:rPr lang="en-US" dirty="0" smtClean="0"/>
+              <a:t>):</a:t>
+            </a:r>
+          </a:p>
+          <a:p>
+            <a:r>
+              <a:rPr lang="en-US" dirty="0" smtClean="0"/>
+              <a:t> Streams: A new way to work with collection that was include in this new version of Java that can give us a “free” parallelism included in this API.</a:t>
+            </a:r>
           </a:p>
         </p:txBody>
       </p:sp>
@@ -7180,7 +7419,22 @@
           <a:p>
             <a:r>
               <a:rPr lang="en-US" dirty="0" smtClean="0"/>
-              <a:t>Overview from Lambda and Streams.</a:t>
+              <a:t>Overview from </a:t>
+            </a:r>
+            <a:r>
+              <a:rPr lang="en-US" dirty="0" smtClean="0"/>
+              <a:t>Lambda,</a:t>
+            </a:r>
+            <a:br>
+              <a:rPr lang="en-US" dirty="0" smtClean="0"/>
+            </a:br>
+            <a:r>
+              <a:rPr lang="en-US" dirty="0" smtClean="0"/>
+              <a:t>Method reference </a:t>
+            </a:r>
+            <a:r>
+              <a:rPr lang="en-US" dirty="0" smtClean="0"/>
+              <a:t>and Streams.</a:t>
             </a:r>
             <a:endParaRPr lang="en-US" dirty="0"/>
           </a:p>
@@ -7454,11 +7708,7 @@
             </a:r>
             <a:r>
               <a:rPr lang="en-US" dirty="0" smtClean="0"/>
-              <a:t> </a:t>
-            </a:r>
-            <a:r>
-              <a:rPr lang="en-US" dirty="0" smtClean="0"/>
-              <a:t>method.</a:t>
+              <a:t> method.</a:t>
             </a:r>
           </a:p>
           <a:p>
@@ -7468,15 +7718,7 @@
             </a:r>
             <a:r>
               <a:rPr lang="en-US" dirty="0" smtClean="0"/>
-              <a:t>Sort them by </a:t>
-            </a:r>
-            <a:r>
-              <a:rPr lang="en-US" dirty="0" smtClean="0"/>
-              <a:t>Age</a:t>
-            </a:r>
-            <a:r>
-              <a:rPr lang="en-US" dirty="0" smtClean="0"/>
-              <a:t>.</a:t>
+              <a:t>Sort them by Age.</a:t>
             </a:r>
           </a:p>
           <a:p>
@@ -7492,23 +7734,7 @@
             </a:r>
             <a:r>
               <a:rPr lang="en-US" dirty="0" smtClean="0"/>
-              <a:t>Get the </a:t>
-            </a:r>
-            <a:r>
-              <a:rPr lang="en-US" dirty="0" smtClean="0"/>
-              <a:t>sum of all ages </a:t>
-            </a:r>
-            <a:r>
-              <a:rPr lang="en-US" dirty="0" smtClean="0"/>
-              <a:t>of the people </a:t>
-            </a:r>
-            <a:r>
-              <a:rPr lang="en-US" dirty="0" smtClean="0"/>
-              <a:t>on </a:t>
-            </a:r>
-            <a:r>
-              <a:rPr lang="en-US" dirty="0" smtClean="0"/>
-              <a:t>the list.</a:t>
+              <a:t>Get the sum of all ages of the people on the list.</a:t>
             </a:r>
           </a:p>
           <a:p>
